--- a/ApplicationDesign/application_design.pptx
+++ b/ApplicationDesign/application_design.pptx
@@ -5,16 +5,22 @@
     <p:sldMasterId id="2147483648" r:id="rId1"/>
   </p:sldMasterIdLst>
   <p:notesMasterIdLst>
-    <p:notesMasterId r:id="rId6"/>
+    <p:notesMasterId r:id="rId12"/>
   </p:notesMasterIdLst>
   <p:handoutMasterIdLst>
-    <p:handoutMasterId r:id="rId7"/>
+    <p:handoutMasterId r:id="rId13"/>
   </p:handoutMasterIdLst>
   <p:sldIdLst>
     <p:sldId id="258" r:id="rId2"/>
     <p:sldId id="259" r:id="rId3"/>
-    <p:sldId id="260" r:id="rId4"/>
-    <p:sldId id="262" r:id="rId5"/>
+    <p:sldId id="263" r:id="rId4"/>
+    <p:sldId id="264" r:id="rId5"/>
+    <p:sldId id="265" r:id="rId6"/>
+    <p:sldId id="266" r:id="rId7"/>
+    <p:sldId id="267" r:id="rId8"/>
+    <p:sldId id="268" r:id="rId9"/>
+    <p:sldId id="260" r:id="rId10"/>
+    <p:sldId id="262" r:id="rId11"/>
   </p:sldIdLst>
   <p:sldSz cx="9144000" cy="6858000" type="screen4x3"/>
   <p:notesSz cx="6858000" cy="9296400"/>
@@ -309,7 +315,7 @@
               <a:pPr>
                 <a:defRPr/>
               </a:pPr>
-              <a:t>11/26/15</a:t>
+              <a:t>11/29/15</a:t>
             </a:fld>
             <a:endParaRPr lang="en-US"/>
           </a:p>
@@ -521,7 +527,7 @@
               <a:pPr>
                 <a:defRPr/>
               </a:pPr>
-              <a:t>11/26/15</a:t>
+              <a:t>11/29/15</a:t>
             </a:fld>
             <a:endParaRPr lang="en-US"/>
           </a:p>
@@ -973,11 +979,7 @@
           <a:p>
             <a:r>
               <a:rPr lang="en-US" dirty="0" smtClean="0"/>
-              <a:t>Explain each of the</a:t>
-            </a:r>
-            <a:r>
-              <a:rPr lang="en-US" baseline="0" dirty="0" smtClean="0"/>
-              <a:t> concepts with drawings</a:t>
+              <a:t>Ask for what are some best practices when designing questions</a:t>
             </a:r>
             <a:endParaRPr lang="en-US" dirty="0"/>
           </a:p>
@@ -1006,7 +1008,105 @@
               <a:pPr>
                 <a:defRPr/>
               </a:pPr>
-              <a:t>2</a:t>
+              <a:t>3</a:t>
+            </a:fld>
+            <a:endParaRPr lang="en-US"/>
+          </a:p>
+        </p:txBody>
+      </p:sp>
+    </p:spTree>
+    <p:extLst>
+      <p:ext uri="{BB962C8B-B14F-4D97-AF65-F5344CB8AC3E}">
+        <p14:creationId xmlns:p14="http://schemas.microsoft.com/office/powerpoint/2010/main" val="1605532171"/>
+      </p:ext>
+    </p:extLst>
+  </p:cSld>
+  <p:clrMapOvr>
+    <a:masterClrMapping/>
+  </p:clrMapOvr>
+</p:notes>
+</file>
+
+<file path=ppt/notesSlides/notesSlide3.xml><?xml version="1.0" encoding="utf-8"?>
+<p:notes xmlns:a="http://schemas.openxmlformats.org/drawingml/2006/main" xmlns:r="http://schemas.openxmlformats.org/officeDocument/2006/relationships" xmlns:p="http://schemas.openxmlformats.org/presentationml/2006/main">
+  <p:cSld>
+    <p:spTree>
+      <p:nvGrpSpPr>
+        <p:cNvPr id="1" name=""/>
+        <p:cNvGrpSpPr/>
+        <p:nvPr/>
+      </p:nvGrpSpPr>
+      <p:grpSpPr>
+        <a:xfrm>
+          <a:off x="0" y="0"/>
+          <a:ext cx="0" cy="0"/>
+          <a:chOff x="0" y="0"/>
+          <a:chExt cx="0" cy="0"/>
+        </a:xfrm>
+      </p:grpSpPr>
+      <p:sp>
+        <p:nvSpPr>
+          <p:cNvPr id="2" name="Slide Image Placeholder 1"/>
+          <p:cNvSpPr>
+            <a:spLocks noGrp="1" noRot="1" noChangeAspect="1"/>
+          </p:cNvSpPr>
+          <p:nvPr>
+            <p:ph type="sldImg"/>
+          </p:nvPr>
+        </p:nvSpPr>
+        <p:spPr/>
+      </p:sp>
+      <p:sp>
+        <p:nvSpPr>
+          <p:cNvPr id="3" name="Notes Placeholder 2"/>
+          <p:cNvSpPr>
+            <a:spLocks noGrp="1"/>
+          </p:cNvSpPr>
+          <p:nvPr>
+            <p:ph type="body" idx="1"/>
+          </p:nvPr>
+        </p:nvSpPr>
+        <p:spPr/>
+        <p:txBody>
+          <a:bodyPr/>
+          <a:lstStyle/>
+          <a:p>
+            <a:r>
+              <a:rPr lang="en-US" dirty="0" smtClean="0"/>
+              <a:t>Explain each of the</a:t>
+            </a:r>
+            <a:r>
+              <a:rPr lang="en-US" baseline="0" dirty="0" smtClean="0"/>
+              <a:t> concepts with drawings</a:t>
+            </a:r>
+            <a:endParaRPr lang="en-US" dirty="0"/>
+          </a:p>
+        </p:txBody>
+      </p:sp>
+      <p:sp>
+        <p:nvSpPr>
+          <p:cNvPr id="4" name="Slide Number Placeholder 3"/>
+          <p:cNvSpPr>
+            <a:spLocks noGrp="1"/>
+          </p:cNvSpPr>
+          <p:nvPr>
+            <p:ph type="sldNum" sz="quarter" idx="10"/>
+          </p:nvPr>
+        </p:nvSpPr>
+        <p:spPr/>
+        <p:txBody>
+          <a:bodyPr/>
+          <a:lstStyle/>
+          <a:p>
+            <a:pPr>
+              <a:defRPr/>
+            </a:pPr>
+            <a:fld id="{307EBDA9-1523-4B97-AE6B-A78B2B72B3F3}" type="slidenum">
+              <a:rPr lang="en-US" smtClean="0"/>
+              <a:pPr>
+                <a:defRPr/>
+              </a:pPr>
+              <a:t>8</a:t>
             </a:fld>
             <a:endParaRPr lang="en-US"/>
           </a:p>
@@ -2586,6 +2686,65 @@
 </p:sld>
 </file>
 
+<file path=ppt/slides/slide10.xml><?xml version="1.0" encoding="utf-8"?>
+<p:sld xmlns:a="http://schemas.openxmlformats.org/drawingml/2006/main" xmlns:r="http://schemas.openxmlformats.org/officeDocument/2006/relationships" xmlns:p="http://schemas.openxmlformats.org/presentationml/2006/main">
+  <p:cSld>
+    <p:spTree>
+      <p:nvGrpSpPr>
+        <p:cNvPr id="1" name=""/>
+        <p:cNvGrpSpPr/>
+        <p:nvPr/>
+      </p:nvGrpSpPr>
+      <p:grpSpPr>
+        <a:xfrm>
+          <a:off x="0" y="0"/>
+          <a:ext cx="0" cy="0"/>
+          <a:chOff x="0" y="0"/>
+          <a:chExt cx="0" cy="0"/>
+        </a:xfrm>
+      </p:grpSpPr>
+      <p:sp>
+        <p:nvSpPr>
+          <p:cNvPr id="2" name="Title 1"/>
+          <p:cNvSpPr>
+            <a:spLocks noGrp="1"/>
+          </p:cNvSpPr>
+          <p:nvPr>
+            <p:ph type="title"/>
+          </p:nvPr>
+        </p:nvSpPr>
+        <p:spPr>
+          <a:xfrm>
+            <a:off x="457200" y="3416969"/>
+            <a:ext cx="8229600" cy="457200"/>
+          </a:xfrm>
+        </p:spPr>
+        <p:txBody>
+          <a:bodyPr/>
+          <a:lstStyle/>
+          <a:p>
+            <a:pPr algn="ctr"/>
+            <a:r>
+              <a:rPr lang="en-US" dirty="0" smtClean="0"/>
+              <a:t>Map out your application</a:t>
+            </a:r>
+            <a:endParaRPr lang="en-US" dirty="0"/>
+          </a:p>
+        </p:txBody>
+      </p:sp>
+    </p:spTree>
+    <p:extLst>
+      <p:ext uri="{BB962C8B-B14F-4D97-AF65-F5344CB8AC3E}">
+        <p14:creationId xmlns:p14="http://schemas.microsoft.com/office/powerpoint/2010/main" val="1223942617"/>
+      </p:ext>
+    </p:extLst>
+  </p:cSld>
+  <p:clrMapOvr>
+    <a:masterClrMapping/>
+  </p:clrMapOvr>
+</p:sld>
+</file>
+
 <file path=ppt/slides/slide2.xml><?xml version="1.0" encoding="utf-8"?>
 <p:sld xmlns:a="http://schemas.openxmlformats.org/drawingml/2006/main" xmlns:r="http://schemas.openxmlformats.org/officeDocument/2006/relationships" xmlns:p="http://schemas.openxmlformats.org/presentationml/2006/main">
   <p:cSld>
@@ -3186,29 +3345,132 @@
             <p:ph type="title"/>
           </p:nvPr>
         </p:nvSpPr>
-        <p:spPr>
-          <a:xfrm>
-            <a:off x="481264" y="3344779"/>
-            <a:ext cx="8229600" cy="457200"/>
-          </a:xfrm>
-        </p:spPr>
+        <p:spPr/>
         <p:txBody>
           <a:bodyPr/>
           <a:lstStyle/>
           <a:p>
-            <a:pPr algn="ctr"/>
             <a:r>
               <a:rPr lang="en-US" dirty="0" smtClean="0"/>
-              <a:t>Brainstorm application scenarios</a:t>
+              <a:t>Application settings</a:t>
             </a:r>
             <a:endParaRPr lang="en-US" dirty="0"/>
+          </a:p>
+        </p:txBody>
+      </p:sp>
+      <p:sp>
+        <p:nvSpPr>
+          <p:cNvPr id="3" name="Content Placeholder 2"/>
+          <p:cNvSpPr>
+            <a:spLocks noGrp="1"/>
+          </p:cNvSpPr>
+          <p:nvPr>
+            <p:ph idx="1"/>
+          </p:nvPr>
+        </p:nvSpPr>
+        <p:spPr/>
+        <p:txBody>
+          <a:bodyPr/>
+          <a:lstStyle/>
+          <a:p>
+            <a:pPr marL="0" indent="0">
+              <a:buNone/>
+            </a:pPr>
+            <a:r>
+              <a:rPr lang="en-US" dirty="0">
+                <a:hlinkClick r:id="rId2"/>
+              </a:rPr>
+              <a:t>https://www.commcarehq.org/a/obama/apps/view/6d5f9cbbc3110631820840d9699e00be</a:t>
+            </a:r>
+            <a:r>
+              <a:rPr lang="en-US" dirty="0" smtClean="0">
+                <a:hlinkClick r:id="rId2"/>
+              </a:rPr>
+              <a:t>/</a:t>
+            </a:r>
+            <a:endParaRPr lang="en-US" dirty="0" smtClean="0"/>
+          </a:p>
+          <a:p>
+            <a:pPr marL="0" indent="0">
+              <a:buNone/>
+            </a:pPr>
+            <a:endParaRPr lang="en-US" dirty="0"/>
+          </a:p>
+          <a:p>
+            <a:pPr marL="0" indent="0">
+              <a:buNone/>
+            </a:pPr>
+            <a:r>
+              <a:rPr lang="en-US" dirty="0" smtClean="0"/>
+              <a:t>Important ones:</a:t>
+            </a:r>
+          </a:p>
+          <a:p>
+            <a:r>
+              <a:rPr lang="en-US" dirty="0" smtClean="0"/>
+              <a:t>Case sharing</a:t>
+            </a:r>
+          </a:p>
+          <a:p>
+            <a:r>
+              <a:rPr lang="en-US" dirty="0" err="1" smtClean="0"/>
+              <a:t>Cloudcare</a:t>
+            </a:r>
+            <a:endParaRPr lang="en-US" dirty="0" smtClean="0"/>
+          </a:p>
+          <a:p>
+            <a:r>
+              <a:rPr lang="en-US" dirty="0" err="1" smtClean="0"/>
+              <a:t>CommCare</a:t>
+            </a:r>
+            <a:r>
+              <a:rPr lang="en-US" dirty="0" smtClean="0"/>
+              <a:t> Version</a:t>
+            </a:r>
+          </a:p>
+          <a:p>
+            <a:endParaRPr lang="en-US" dirty="0"/>
+          </a:p>
+          <a:p>
+            <a:endParaRPr lang="en-US" dirty="0" smtClean="0"/>
+          </a:p>
+          <a:p>
+            <a:endParaRPr lang="en-US" dirty="0"/>
+          </a:p>
+          <a:p>
+            <a:pPr marL="0" indent="0">
+              <a:buNone/>
+            </a:pPr>
+            <a:r>
+              <a:rPr lang="en-US" dirty="0"/>
+              <a:t>Docs: </a:t>
+            </a:r>
+            <a:r>
+              <a:rPr lang="en-US" dirty="0">
+                <a:hlinkClick r:id="rId3"/>
+              </a:rPr>
+              <a:t>http://</a:t>
+            </a:r>
+            <a:r>
+              <a:rPr lang="en-US" dirty="0" smtClean="0">
+                <a:hlinkClick r:id="rId3"/>
+              </a:rPr>
+              <a:t>bit.ly/1l06IVR</a:t>
+            </a:r>
+            <a:endParaRPr lang="en-US" dirty="0" smtClean="0"/>
+          </a:p>
+          <a:p>
+            <a:pPr marL="0" indent="0">
+              <a:buNone/>
+            </a:pPr>
+            <a:endParaRPr lang="en-US" dirty="0" smtClean="0"/>
           </a:p>
         </p:txBody>
       </p:sp>
     </p:spTree>
     <p:extLst>
       <p:ext uri="{BB962C8B-B14F-4D97-AF65-F5344CB8AC3E}">
-        <p14:creationId xmlns:p14="http://schemas.microsoft.com/office/powerpoint/2010/main" val="886607263"/>
+        <p14:creationId xmlns:p14="http://schemas.microsoft.com/office/powerpoint/2010/main" val="24071116"/>
       </p:ext>
     </p:extLst>
   </p:cSld>
@@ -3245,9 +3507,669 @@
             <p:ph type="title"/>
           </p:nvPr>
         </p:nvSpPr>
+        <p:spPr/>
+        <p:txBody>
+          <a:bodyPr/>
+          <a:lstStyle/>
+          <a:p>
+            <a:r>
+              <a:rPr lang="en-US" dirty="0" smtClean="0"/>
+              <a:t>Question design</a:t>
+            </a:r>
+            <a:endParaRPr lang="en-US" dirty="0"/>
+          </a:p>
+        </p:txBody>
+      </p:sp>
+      <p:sp>
+        <p:nvSpPr>
+          <p:cNvPr id="3" name="Content Placeholder 2"/>
+          <p:cNvSpPr>
+            <a:spLocks noGrp="1"/>
+          </p:cNvSpPr>
+          <p:nvPr>
+            <p:ph idx="1"/>
+          </p:nvPr>
+        </p:nvSpPr>
+        <p:spPr/>
+        <p:txBody>
+          <a:bodyPr/>
+          <a:lstStyle/>
+          <a:p>
+            <a:endParaRPr lang="en-US" dirty="0" smtClean="0"/>
+          </a:p>
+          <a:p>
+            <a:endParaRPr lang="en-US" dirty="0"/>
+          </a:p>
+          <a:p>
+            <a:endParaRPr lang="en-US" dirty="0" smtClean="0"/>
+          </a:p>
+          <a:p>
+            <a:endParaRPr lang="en-US" dirty="0"/>
+          </a:p>
+          <a:p>
+            <a:endParaRPr lang="en-US" dirty="0" smtClean="0"/>
+          </a:p>
+          <a:p>
+            <a:pPr marL="0" indent="0">
+              <a:buNone/>
+            </a:pPr>
+            <a:r>
+              <a:rPr lang="en-US" dirty="0" smtClean="0"/>
+              <a:t>What are good question design practices?</a:t>
+            </a:r>
+            <a:endParaRPr lang="en-US" dirty="0"/>
+          </a:p>
+        </p:txBody>
+      </p:sp>
+    </p:spTree>
+    <p:extLst>
+      <p:ext uri="{BB962C8B-B14F-4D97-AF65-F5344CB8AC3E}">
+        <p14:creationId xmlns:p14="http://schemas.microsoft.com/office/powerpoint/2010/main" val="2081722588"/>
+      </p:ext>
+    </p:extLst>
+  </p:cSld>
+  <p:clrMapOvr>
+    <a:masterClrMapping/>
+  </p:clrMapOvr>
+</p:sld>
+</file>
+
+<file path=ppt/slides/slide5.xml><?xml version="1.0" encoding="utf-8"?>
+<p:sld xmlns:a="http://schemas.openxmlformats.org/drawingml/2006/main" xmlns:r="http://schemas.openxmlformats.org/officeDocument/2006/relationships" xmlns:p="http://schemas.openxmlformats.org/presentationml/2006/main">
+  <p:cSld>
+    <p:spTree>
+      <p:nvGrpSpPr>
+        <p:cNvPr id="1" name=""/>
+        <p:cNvGrpSpPr/>
+        <p:nvPr/>
+      </p:nvGrpSpPr>
+      <p:grpSpPr>
+        <a:xfrm>
+          <a:off x="0" y="0"/>
+          <a:ext cx="0" cy="0"/>
+          <a:chOff x="0" y="0"/>
+          <a:chExt cx="0" cy="0"/>
+        </a:xfrm>
+      </p:grpSpPr>
+      <p:sp>
+        <p:nvSpPr>
+          <p:cNvPr id="2" name="Title 1"/>
+          <p:cNvSpPr>
+            <a:spLocks noGrp="1"/>
+          </p:cNvSpPr>
+          <p:nvPr>
+            <p:ph type="title"/>
+          </p:nvPr>
+        </p:nvSpPr>
+        <p:spPr/>
+        <p:txBody>
+          <a:bodyPr/>
+          <a:lstStyle/>
+          <a:p>
+            <a:r>
+              <a:rPr lang="en-US" dirty="0" smtClean="0"/>
+              <a:t>Question design</a:t>
+            </a:r>
+            <a:endParaRPr lang="en-US" dirty="0"/>
+          </a:p>
+        </p:txBody>
+      </p:sp>
+      <p:sp>
+        <p:nvSpPr>
+          <p:cNvPr id="3" name="Content Placeholder 2"/>
+          <p:cNvSpPr>
+            <a:spLocks noGrp="1"/>
+          </p:cNvSpPr>
+          <p:nvPr>
+            <p:ph idx="1"/>
+          </p:nvPr>
+        </p:nvSpPr>
+        <p:spPr/>
+        <p:txBody>
+          <a:bodyPr/>
+          <a:lstStyle/>
+          <a:p>
+            <a:r>
+              <a:rPr lang="en-US" dirty="0"/>
+              <a:t>Use </a:t>
+            </a:r>
+            <a:r>
+              <a:rPr lang="en-US" dirty="0">
+                <a:solidFill>
+                  <a:srgbClr val="FF0000"/>
+                </a:solidFill>
+              </a:rPr>
+              <a:t>descriptive, consistent </a:t>
+            </a:r>
+            <a:r>
+              <a:rPr lang="en-US" dirty="0"/>
+              <a:t>Question IDs</a:t>
+            </a:r>
+          </a:p>
+          <a:p>
+            <a:r>
+              <a:rPr lang="en-US" dirty="0"/>
+              <a:t>Develop question labels that are </a:t>
+            </a:r>
+            <a:r>
+              <a:rPr lang="en-US" dirty="0">
+                <a:solidFill>
+                  <a:srgbClr val="FF0000"/>
+                </a:solidFill>
+              </a:rPr>
+              <a:t>clear and fit on the screen</a:t>
+            </a:r>
+          </a:p>
+          <a:p>
+            <a:r>
+              <a:rPr lang="en-US" dirty="0"/>
+              <a:t>Use appropriate </a:t>
+            </a:r>
+            <a:r>
+              <a:rPr lang="en-US" dirty="0">
+                <a:solidFill>
+                  <a:srgbClr val="FF0000"/>
+                </a:solidFill>
+              </a:rPr>
+              <a:t>validation conditions </a:t>
+            </a:r>
+            <a:r>
+              <a:rPr lang="en-US" dirty="0"/>
+              <a:t>with helpful, actionable validation messages</a:t>
+            </a:r>
+          </a:p>
+          <a:p>
+            <a:r>
+              <a:rPr lang="en-US" dirty="0"/>
+              <a:t>Determine the </a:t>
+            </a:r>
+            <a:r>
+              <a:rPr lang="en-US" dirty="0">
+                <a:solidFill>
+                  <a:srgbClr val="FF0000"/>
+                </a:solidFill>
+              </a:rPr>
+              <a:t>best question type </a:t>
+            </a:r>
+            <a:r>
+              <a:rPr lang="en-US" dirty="0"/>
+              <a:t>to use for each question (ex. </a:t>
+            </a:r>
+            <a:r>
+              <a:rPr lang="en-US" dirty="0" err="1"/>
+              <a:t>interger</a:t>
+            </a:r>
+            <a:r>
+              <a:rPr lang="en-US" dirty="0"/>
+              <a:t> vs decimal vs text)</a:t>
+            </a:r>
+          </a:p>
+          <a:p>
+            <a:r>
+              <a:rPr lang="en-US" dirty="0"/>
+              <a:t>Ensure that </a:t>
+            </a:r>
+            <a:r>
+              <a:rPr lang="en-US" dirty="0">
+                <a:solidFill>
+                  <a:srgbClr val="FF0000"/>
+                </a:solidFill>
+              </a:rPr>
+              <a:t>question types are appropriate </a:t>
+            </a:r>
+            <a:r>
+              <a:rPr lang="en-US" dirty="0"/>
+              <a:t>for the selected device (no GPS questions for feature phones)</a:t>
+            </a:r>
+          </a:p>
+          <a:p>
+            <a:r>
+              <a:rPr lang="en-US" dirty="0"/>
+              <a:t>Minimize the use of text input type </a:t>
+            </a:r>
+            <a:r>
+              <a:rPr lang="en-US" dirty="0" smtClean="0"/>
+              <a:t>questions</a:t>
+            </a:r>
+          </a:p>
+          <a:p>
+            <a:r>
+              <a:rPr lang="en-US" dirty="0" smtClean="0"/>
+              <a:t>Use comments!!!</a:t>
+            </a:r>
+            <a:endParaRPr lang="en-US" dirty="0"/>
+          </a:p>
+          <a:p>
+            <a:pPr marL="0" indent="0">
+              <a:buNone/>
+            </a:pPr>
+            <a:r>
+              <a:rPr lang="en-US" dirty="0" smtClean="0"/>
+              <a:t>Docs: </a:t>
+            </a:r>
+            <a:r>
+              <a:rPr lang="en-US" dirty="0" smtClean="0">
+                <a:hlinkClick r:id="rId2"/>
+              </a:rPr>
+              <a:t>http</a:t>
+            </a:r>
+            <a:r>
+              <a:rPr lang="en-US" dirty="0">
+                <a:hlinkClick r:id="rId2"/>
+              </a:rPr>
+              <a:t>://</a:t>
+            </a:r>
+            <a:r>
+              <a:rPr lang="en-US" dirty="0" smtClean="0">
+                <a:hlinkClick r:id="rId2"/>
+              </a:rPr>
+              <a:t>bit.ly/1lScN6Y</a:t>
+            </a:r>
+            <a:endParaRPr lang="en-US" dirty="0" smtClean="0"/>
+          </a:p>
+          <a:p>
+            <a:pPr marL="0" indent="0">
+              <a:buNone/>
+            </a:pPr>
+            <a:endParaRPr lang="en-US" dirty="0"/>
+          </a:p>
+          <a:p>
+            <a:pPr marL="0" indent="0">
+              <a:buNone/>
+            </a:pPr>
+            <a:endParaRPr lang="en-US" dirty="0"/>
+          </a:p>
+        </p:txBody>
+      </p:sp>
+    </p:spTree>
+    <p:extLst>
+      <p:ext uri="{BB962C8B-B14F-4D97-AF65-F5344CB8AC3E}">
+        <p14:creationId xmlns:p14="http://schemas.microsoft.com/office/powerpoint/2010/main" val="290069352"/>
+      </p:ext>
+    </p:extLst>
+  </p:cSld>
+  <p:clrMapOvr>
+    <a:masterClrMapping/>
+  </p:clrMapOvr>
+</p:sld>
+</file>
+
+<file path=ppt/slides/slide6.xml><?xml version="1.0" encoding="utf-8"?>
+<p:sld xmlns:a="http://schemas.openxmlformats.org/drawingml/2006/main" xmlns:r="http://schemas.openxmlformats.org/officeDocument/2006/relationships" xmlns:p="http://schemas.openxmlformats.org/presentationml/2006/main">
+  <p:cSld>
+    <p:spTree>
+      <p:nvGrpSpPr>
+        <p:cNvPr id="1" name=""/>
+        <p:cNvGrpSpPr/>
+        <p:nvPr/>
+      </p:nvGrpSpPr>
+      <p:grpSpPr>
+        <a:xfrm>
+          <a:off x="0" y="0"/>
+          <a:ext cx="0" cy="0"/>
+          <a:chOff x="0" y="0"/>
+          <a:chExt cx="0" cy="0"/>
+        </a:xfrm>
+      </p:grpSpPr>
+      <p:sp>
+        <p:nvSpPr>
+          <p:cNvPr id="2" name="Title 1"/>
+          <p:cNvSpPr>
+            <a:spLocks noGrp="1"/>
+          </p:cNvSpPr>
+          <p:nvPr>
+            <p:ph type="title"/>
+          </p:nvPr>
+        </p:nvSpPr>
+        <p:spPr/>
+        <p:txBody>
+          <a:bodyPr/>
+          <a:lstStyle/>
+          <a:p>
+            <a:r>
+              <a:rPr lang="en-US" dirty="0" smtClean="0"/>
+              <a:t>Form Design</a:t>
+            </a:r>
+            <a:endParaRPr lang="en-US" dirty="0"/>
+          </a:p>
+        </p:txBody>
+      </p:sp>
+      <p:sp>
+        <p:nvSpPr>
+          <p:cNvPr id="4" name="Content Placeholder 2"/>
+          <p:cNvSpPr>
+            <a:spLocks noGrp="1"/>
+          </p:cNvSpPr>
+          <p:nvPr>
+            <p:ph idx="1"/>
+          </p:nvPr>
+        </p:nvSpPr>
         <p:spPr>
           <a:xfrm>
-            <a:off x="457200" y="3416969"/>
+            <a:off x="457200" y="990600"/>
+            <a:ext cx="8229600" cy="5334000"/>
+          </a:xfrm>
+        </p:spPr>
+        <p:txBody>
+          <a:bodyPr/>
+          <a:lstStyle/>
+          <a:p>
+            <a:endParaRPr lang="en-US" dirty="0" smtClean="0"/>
+          </a:p>
+          <a:p>
+            <a:endParaRPr lang="en-US" dirty="0"/>
+          </a:p>
+          <a:p>
+            <a:endParaRPr lang="en-US" dirty="0" smtClean="0"/>
+          </a:p>
+          <a:p>
+            <a:endParaRPr lang="en-US" dirty="0"/>
+          </a:p>
+          <a:p>
+            <a:endParaRPr lang="en-US" dirty="0" smtClean="0"/>
+          </a:p>
+          <a:p>
+            <a:pPr marL="0" indent="0">
+              <a:buNone/>
+            </a:pPr>
+            <a:r>
+              <a:rPr lang="en-US" dirty="0" smtClean="0"/>
+              <a:t>What are good form design practices?</a:t>
+            </a:r>
+            <a:endParaRPr lang="en-US" dirty="0"/>
+          </a:p>
+        </p:txBody>
+      </p:sp>
+    </p:spTree>
+    <p:extLst>
+      <p:ext uri="{BB962C8B-B14F-4D97-AF65-F5344CB8AC3E}">
+        <p14:creationId xmlns:p14="http://schemas.microsoft.com/office/powerpoint/2010/main" val="1723626081"/>
+      </p:ext>
+    </p:extLst>
+  </p:cSld>
+  <p:clrMapOvr>
+    <a:masterClrMapping/>
+  </p:clrMapOvr>
+</p:sld>
+</file>
+
+<file path=ppt/slides/slide7.xml><?xml version="1.0" encoding="utf-8"?>
+<p:sld xmlns:a="http://schemas.openxmlformats.org/drawingml/2006/main" xmlns:r="http://schemas.openxmlformats.org/officeDocument/2006/relationships" xmlns:p="http://schemas.openxmlformats.org/presentationml/2006/main">
+  <p:cSld>
+    <p:spTree>
+      <p:nvGrpSpPr>
+        <p:cNvPr id="1" name=""/>
+        <p:cNvGrpSpPr/>
+        <p:nvPr/>
+      </p:nvGrpSpPr>
+      <p:grpSpPr>
+        <a:xfrm>
+          <a:off x="0" y="0"/>
+          <a:ext cx="0" cy="0"/>
+          <a:chOff x="0" y="0"/>
+          <a:chExt cx="0" cy="0"/>
+        </a:xfrm>
+      </p:grpSpPr>
+      <p:sp>
+        <p:nvSpPr>
+          <p:cNvPr id="2" name="Title 1"/>
+          <p:cNvSpPr>
+            <a:spLocks noGrp="1"/>
+          </p:cNvSpPr>
+          <p:nvPr>
+            <p:ph type="title"/>
+          </p:nvPr>
+        </p:nvSpPr>
+        <p:spPr/>
+        <p:txBody>
+          <a:bodyPr/>
+          <a:lstStyle/>
+          <a:p>
+            <a:r>
+              <a:rPr lang="en-US" dirty="0" smtClean="0"/>
+              <a:t>Form Design</a:t>
+            </a:r>
+            <a:endParaRPr lang="en-US" dirty="0"/>
+          </a:p>
+        </p:txBody>
+      </p:sp>
+      <p:sp>
+        <p:nvSpPr>
+          <p:cNvPr id="3" name="Content Placeholder 2"/>
+          <p:cNvSpPr>
+            <a:spLocks noGrp="1"/>
+          </p:cNvSpPr>
+          <p:nvPr>
+            <p:ph idx="1"/>
+          </p:nvPr>
+        </p:nvSpPr>
+        <p:spPr/>
+        <p:txBody>
+          <a:bodyPr/>
+          <a:lstStyle/>
+          <a:p>
+            <a:r>
+              <a:rPr lang="en-US" dirty="0"/>
+              <a:t>Use and </a:t>
+            </a:r>
+            <a:r>
+              <a:rPr lang="en-US" dirty="0">
+                <a:solidFill>
+                  <a:srgbClr val="FF0000"/>
+                </a:solidFill>
+              </a:rPr>
+              <a:t>test Display Conditions</a:t>
+            </a:r>
+          </a:p>
+          <a:p>
+            <a:r>
+              <a:rPr lang="en-US" dirty="0"/>
+              <a:t>Cluster related questions using Question Groups</a:t>
+            </a:r>
+          </a:p>
+          <a:p>
+            <a:r>
+              <a:rPr lang="en-US" dirty="0"/>
+              <a:t>Use hidden values to help users with </a:t>
+            </a:r>
+            <a:r>
+              <a:rPr lang="en-US" dirty="0" smtClean="0"/>
+              <a:t>calculations</a:t>
+            </a:r>
+          </a:p>
+          <a:p>
+            <a:endParaRPr lang="en-US" dirty="0"/>
+          </a:p>
+          <a:p>
+            <a:endParaRPr lang="en-US" dirty="0" smtClean="0"/>
+          </a:p>
+          <a:p>
+            <a:endParaRPr lang="en-US" dirty="0"/>
+          </a:p>
+          <a:p>
+            <a:endParaRPr lang="en-US" dirty="0" smtClean="0"/>
+          </a:p>
+          <a:p>
+            <a:endParaRPr lang="en-US" dirty="0"/>
+          </a:p>
+          <a:p>
+            <a:endParaRPr lang="en-US" dirty="0" smtClean="0"/>
+          </a:p>
+          <a:p>
+            <a:endParaRPr lang="en-US" dirty="0"/>
+          </a:p>
+          <a:p>
+            <a:pPr marL="0" indent="0">
+              <a:buNone/>
+            </a:pPr>
+            <a:r>
+              <a:rPr lang="en-US" dirty="0"/>
+              <a:t>Docs: </a:t>
+            </a:r>
+            <a:r>
+              <a:rPr lang="en-US" dirty="0">
+                <a:hlinkClick r:id="rId2"/>
+              </a:rPr>
+              <a:t>http://</a:t>
+            </a:r>
+            <a:r>
+              <a:rPr lang="en-US" dirty="0" smtClean="0">
+                <a:hlinkClick r:id="rId2"/>
+              </a:rPr>
+              <a:t>bit.ly/1lScN6Y</a:t>
+            </a:r>
+            <a:endParaRPr lang="en-US" dirty="0" smtClean="0"/>
+          </a:p>
+          <a:p>
+            <a:pPr marL="0" indent="0">
+              <a:buNone/>
+            </a:pPr>
+            <a:endParaRPr lang="en-US" dirty="0"/>
+          </a:p>
+          <a:p>
+            <a:pPr marL="0" indent="0">
+              <a:buNone/>
+            </a:pPr>
+            <a:endParaRPr lang="en-US" dirty="0"/>
+          </a:p>
+        </p:txBody>
+      </p:sp>
+    </p:spTree>
+    <p:extLst>
+      <p:ext uri="{BB962C8B-B14F-4D97-AF65-F5344CB8AC3E}">
+        <p14:creationId xmlns:p14="http://schemas.microsoft.com/office/powerpoint/2010/main" val="1094260782"/>
+      </p:ext>
+    </p:extLst>
+  </p:cSld>
+  <p:clrMapOvr>
+    <a:masterClrMapping/>
+  </p:clrMapOvr>
+</p:sld>
+</file>
+
+<file path=ppt/slides/slide8.xml><?xml version="1.0" encoding="utf-8"?>
+<p:sld xmlns:a="http://schemas.openxmlformats.org/drawingml/2006/main" xmlns:r="http://schemas.openxmlformats.org/officeDocument/2006/relationships" xmlns:p="http://schemas.openxmlformats.org/presentationml/2006/main">
+  <p:cSld>
+    <p:spTree>
+      <p:nvGrpSpPr>
+        <p:cNvPr id="1" name=""/>
+        <p:cNvGrpSpPr/>
+        <p:nvPr/>
+      </p:nvGrpSpPr>
+      <p:grpSpPr>
+        <a:xfrm>
+          <a:off x="0" y="0"/>
+          <a:ext cx="0" cy="0"/>
+          <a:chOff x="0" y="0"/>
+          <a:chExt cx="0" cy="0"/>
+        </a:xfrm>
+      </p:grpSpPr>
+      <p:sp>
+        <p:nvSpPr>
+          <p:cNvPr id="2" name="Title 1"/>
+          <p:cNvSpPr>
+            <a:spLocks noGrp="1"/>
+          </p:cNvSpPr>
+          <p:nvPr>
+            <p:ph type="title"/>
+          </p:nvPr>
+        </p:nvSpPr>
+        <p:spPr/>
+        <p:txBody>
+          <a:bodyPr/>
+          <a:lstStyle/>
+          <a:p>
+            <a:r>
+              <a:rPr lang="en-US" dirty="0" smtClean="0"/>
+              <a:t>Some other things to consider</a:t>
+            </a:r>
+            <a:endParaRPr lang="en-US" dirty="0"/>
+          </a:p>
+        </p:txBody>
+      </p:sp>
+      <p:sp>
+        <p:nvSpPr>
+          <p:cNvPr id="3" name="Content Placeholder 2"/>
+          <p:cNvSpPr>
+            <a:spLocks noGrp="1"/>
+          </p:cNvSpPr>
+          <p:nvPr>
+            <p:ph idx="1"/>
+          </p:nvPr>
+        </p:nvSpPr>
+        <p:spPr>
+          <a:xfrm>
+            <a:off x="457200" y="990600"/>
+            <a:ext cx="8229600" cy="2462463"/>
+          </a:xfrm>
+        </p:spPr>
+        <p:txBody>
+          <a:bodyPr/>
+          <a:lstStyle/>
+          <a:p>
+            <a:r>
+              <a:rPr lang="en-US" dirty="0" smtClean="0"/>
+              <a:t>Language</a:t>
+            </a:r>
+          </a:p>
+          <a:p>
+            <a:r>
+              <a:rPr lang="en-US" dirty="0" smtClean="0"/>
+              <a:t>Multimedia</a:t>
+            </a:r>
+          </a:p>
+          <a:p>
+            <a:r>
+              <a:rPr lang="en-US" dirty="0" smtClean="0"/>
+              <a:t>Literacy rate</a:t>
+            </a:r>
+            <a:endParaRPr lang="en-US" dirty="0"/>
+          </a:p>
+        </p:txBody>
+      </p:sp>
+    </p:spTree>
+    <p:extLst>
+      <p:ext uri="{BB962C8B-B14F-4D97-AF65-F5344CB8AC3E}">
+        <p14:creationId xmlns:p14="http://schemas.microsoft.com/office/powerpoint/2010/main" val="1880907909"/>
+      </p:ext>
+    </p:extLst>
+  </p:cSld>
+  <p:clrMapOvr>
+    <a:masterClrMapping/>
+  </p:clrMapOvr>
+</p:sld>
+</file>
+
+<file path=ppt/slides/slide9.xml><?xml version="1.0" encoding="utf-8"?>
+<p:sld xmlns:a="http://schemas.openxmlformats.org/drawingml/2006/main" xmlns:r="http://schemas.openxmlformats.org/officeDocument/2006/relationships" xmlns:p="http://schemas.openxmlformats.org/presentationml/2006/main">
+  <p:cSld>
+    <p:spTree>
+      <p:nvGrpSpPr>
+        <p:cNvPr id="1" name=""/>
+        <p:cNvGrpSpPr/>
+        <p:nvPr/>
+      </p:nvGrpSpPr>
+      <p:grpSpPr>
+        <a:xfrm>
+          <a:off x="0" y="0"/>
+          <a:ext cx="0" cy="0"/>
+          <a:chOff x="0" y="0"/>
+          <a:chExt cx="0" cy="0"/>
+        </a:xfrm>
+      </p:grpSpPr>
+      <p:sp>
+        <p:nvSpPr>
+          <p:cNvPr id="2" name="Title 1"/>
+          <p:cNvSpPr>
+            <a:spLocks noGrp="1"/>
+          </p:cNvSpPr>
+          <p:nvPr>
+            <p:ph type="title"/>
+          </p:nvPr>
+        </p:nvSpPr>
+        <p:spPr>
+          <a:xfrm>
+            <a:off x="481264" y="3344779"/>
             <a:ext cx="8229600" cy="457200"/>
           </a:xfrm>
         </p:spPr>
@@ -3258,7 +4180,7 @@
             <a:pPr algn="ctr"/>
             <a:r>
               <a:rPr lang="en-US" dirty="0" smtClean="0"/>
-              <a:t>Map out your application</a:t>
+              <a:t>Brainstorm application scenarios</a:t>
             </a:r>
             <a:endParaRPr lang="en-US" dirty="0"/>
           </a:p>
@@ -3267,7 +4189,7 @@
     </p:spTree>
     <p:extLst>
       <p:ext uri="{BB962C8B-B14F-4D97-AF65-F5344CB8AC3E}">
-        <p14:creationId xmlns:p14="http://schemas.microsoft.com/office/powerpoint/2010/main" val="1223942617"/>
+        <p14:creationId xmlns:p14="http://schemas.microsoft.com/office/powerpoint/2010/main" val="886607263"/>
       </p:ext>
     </p:extLst>
   </p:cSld>
